--- a/figures.pptx
+++ b/figures.pptx
@@ -123,6 +123,10 @@
 </p:presentation>
 </file>
 
+<file path=ppt/revisionInfo.xml><?xml version="1.0" encoding="utf-8"?>
+<p1510:revInfo xmlns:a="http://schemas.openxmlformats.org/drawingml/2006/main" xmlns:r="http://schemas.openxmlformats.org/officeDocument/2006/relationships" xmlns:p1510="http://schemas.microsoft.com/office/powerpoint/2015/10/main"/>
+</file>
+
 <file path=ppt/slideLayouts/slideLayout1.xml><?xml version="1.0" encoding="utf-8"?>
 <p:sldLayout xmlns:a="http://schemas.openxmlformats.org/drawingml/2006/main" xmlns:r="http://schemas.openxmlformats.org/officeDocument/2006/relationships" xmlns:p="http://schemas.openxmlformats.org/presentationml/2006/main" type="title" preserve="1">
   <p:cSld name="Title Slide">
@@ -272,7 +276,7 @@
           <a:p>
             <a:fld id="{3C0C2076-EA40-4CDB-A1FC-919ADA3C9350}" type="datetimeFigureOut">
               <a:rPr lang="en-ZA" smtClean="0"/>
-              <a:t>2017/08/25</a:t>
+              <a:t>2017/10/12</a:t>
             </a:fld>
             <a:endParaRPr lang="en-ZA"/>
           </a:p>
@@ -472,7 +476,7 @@
           <a:p>
             <a:fld id="{3C0C2076-EA40-4CDB-A1FC-919ADA3C9350}" type="datetimeFigureOut">
               <a:rPr lang="en-ZA" smtClean="0"/>
-              <a:t>2017/08/25</a:t>
+              <a:t>2017/10/12</a:t>
             </a:fld>
             <a:endParaRPr lang="en-ZA"/>
           </a:p>
@@ -682,7 +686,7 @@
           <a:p>
             <a:fld id="{3C0C2076-EA40-4CDB-A1FC-919ADA3C9350}" type="datetimeFigureOut">
               <a:rPr lang="en-ZA" smtClean="0"/>
-              <a:t>2017/08/25</a:t>
+              <a:t>2017/10/12</a:t>
             </a:fld>
             <a:endParaRPr lang="en-ZA"/>
           </a:p>
@@ -882,7 +886,7 @@
           <a:p>
             <a:fld id="{3C0C2076-EA40-4CDB-A1FC-919ADA3C9350}" type="datetimeFigureOut">
               <a:rPr lang="en-ZA" smtClean="0"/>
-              <a:t>2017/08/25</a:t>
+              <a:t>2017/10/12</a:t>
             </a:fld>
             <a:endParaRPr lang="en-ZA"/>
           </a:p>
@@ -1158,7 +1162,7 @@
           <a:p>
             <a:fld id="{3C0C2076-EA40-4CDB-A1FC-919ADA3C9350}" type="datetimeFigureOut">
               <a:rPr lang="en-ZA" smtClean="0"/>
-              <a:t>2017/08/25</a:t>
+              <a:t>2017/10/12</a:t>
             </a:fld>
             <a:endParaRPr lang="en-ZA"/>
           </a:p>
@@ -1426,7 +1430,7 @@
           <a:p>
             <a:fld id="{3C0C2076-EA40-4CDB-A1FC-919ADA3C9350}" type="datetimeFigureOut">
               <a:rPr lang="en-ZA" smtClean="0"/>
-              <a:t>2017/08/25</a:t>
+              <a:t>2017/10/12</a:t>
             </a:fld>
             <a:endParaRPr lang="en-ZA"/>
           </a:p>
@@ -1841,7 +1845,7 @@
           <a:p>
             <a:fld id="{3C0C2076-EA40-4CDB-A1FC-919ADA3C9350}" type="datetimeFigureOut">
               <a:rPr lang="en-ZA" smtClean="0"/>
-              <a:t>2017/08/25</a:t>
+              <a:t>2017/10/12</a:t>
             </a:fld>
             <a:endParaRPr lang="en-ZA"/>
           </a:p>
@@ -1983,7 +1987,7 @@
           <a:p>
             <a:fld id="{3C0C2076-EA40-4CDB-A1FC-919ADA3C9350}" type="datetimeFigureOut">
               <a:rPr lang="en-ZA" smtClean="0"/>
-              <a:t>2017/08/25</a:t>
+              <a:t>2017/10/12</a:t>
             </a:fld>
             <a:endParaRPr lang="en-ZA"/>
           </a:p>
@@ -2096,7 +2100,7 @@
           <a:p>
             <a:fld id="{3C0C2076-EA40-4CDB-A1FC-919ADA3C9350}" type="datetimeFigureOut">
               <a:rPr lang="en-ZA" smtClean="0"/>
-              <a:t>2017/08/25</a:t>
+              <a:t>2017/10/12</a:t>
             </a:fld>
             <a:endParaRPr lang="en-ZA"/>
           </a:p>
@@ -2409,7 +2413,7 @@
           <a:p>
             <a:fld id="{3C0C2076-EA40-4CDB-A1FC-919ADA3C9350}" type="datetimeFigureOut">
               <a:rPr lang="en-ZA" smtClean="0"/>
-              <a:t>2017/08/25</a:t>
+              <a:t>2017/10/12</a:t>
             </a:fld>
             <a:endParaRPr lang="en-ZA"/>
           </a:p>
@@ -2698,7 +2702,7 @@
           <a:p>
             <a:fld id="{3C0C2076-EA40-4CDB-A1FC-919ADA3C9350}" type="datetimeFigureOut">
               <a:rPr lang="en-ZA" smtClean="0"/>
-              <a:t>2017/08/25</a:t>
+              <a:t>2017/10/12</a:t>
             </a:fld>
             <a:endParaRPr lang="en-ZA"/>
           </a:p>
@@ -2941,7 +2945,7 @@
           <a:p>
             <a:fld id="{3C0C2076-EA40-4CDB-A1FC-919ADA3C9350}" type="datetimeFigureOut">
               <a:rPr lang="en-ZA" smtClean="0"/>
-              <a:t>2017/08/25</a:t>
+              <a:t>2017/10/12</a:t>
             </a:fld>
             <a:endParaRPr lang="en-ZA"/>
           </a:p>
@@ -3451,7 +3455,7 @@
             <a:pPr algn="ctr"/>
             <a:r>
               <a:rPr lang="en-ZA" dirty="0"/>
-              <a:t>Implement BESS on Database</a:t>
+              <a:t>Implement CRS and BESS on Database</a:t>
             </a:r>
           </a:p>
         </p:txBody>
@@ -3500,7 +3504,15 @@
             <a:pPr algn="ctr"/>
             <a:r>
               <a:rPr lang="en-ZA" dirty="0"/>
-              <a:t>Implement Chunking Technique  on Database</a:t>
+              <a:t>Implement Patricia </a:t>
+            </a:r>
+            <a:r>
+              <a:rPr lang="en-ZA" dirty="0" err="1"/>
+              <a:t>Trie</a:t>
+            </a:r>
+            <a:r>
+              <a:rPr lang="en-ZA" dirty="0"/>
+              <a:t> indexing  on chunks</a:t>
             </a:r>
           </a:p>
         </p:txBody>
